--- a/lecture_2/2-dynamical_systems.pptx
+++ b/lecture_2/2-dynamical_systems.pptx
@@ -5,21 +5,22 @@
     <p:sldMasterId id="2147483648" r:id="rId1"/>
   </p:sldMasterIdLst>
   <p:notesMasterIdLst>
-    <p:notesMasterId r:id="rId11"/>
+    <p:notesMasterId r:id="rId12"/>
   </p:notesMasterIdLst>
   <p:handoutMasterIdLst>
-    <p:handoutMasterId r:id="rId12"/>
+    <p:handoutMasterId r:id="rId13"/>
   </p:handoutMasterIdLst>
   <p:sldIdLst>
     <p:sldId id="347" r:id="rId2"/>
-    <p:sldId id="353" r:id="rId3"/>
-    <p:sldId id="429" r:id="rId4"/>
-    <p:sldId id="390" r:id="rId5"/>
-    <p:sldId id="391" r:id="rId6"/>
-    <p:sldId id="416" r:id="rId7"/>
-    <p:sldId id="392" r:id="rId8"/>
-    <p:sldId id="427" r:id="rId9"/>
-    <p:sldId id="428" r:id="rId10"/>
+    <p:sldId id="430" r:id="rId3"/>
+    <p:sldId id="431" r:id="rId4"/>
+    <p:sldId id="429" r:id="rId5"/>
+    <p:sldId id="390" r:id="rId6"/>
+    <p:sldId id="391" r:id="rId7"/>
+    <p:sldId id="416" r:id="rId8"/>
+    <p:sldId id="392" r:id="rId9"/>
+    <p:sldId id="427" r:id="rId10"/>
+    <p:sldId id="428" r:id="rId11"/>
   </p:sldIdLst>
   <p:sldSz cx="9144000" cy="6858000" type="screen4x3"/>
   <p:notesSz cx="6858000" cy="9144000"/>
@@ -977,7 +978,7 @@
               <a:pPr>
                 <a:defRPr/>
               </a:pPr>
-              <a:t>8</a:t>
+              <a:t>9</a:t>
             </a:fld>
             <a:endParaRPr lang="en-US" altLang="x-none"/>
           </a:p>
@@ -5273,6 +5274,634 @@
 </p:sld>
 </file>
 
+<file path=ppt/slides/slide10.xml><?xml version="1.0" encoding="utf-8"?>
+<p:sld xmlns:a="http://schemas.openxmlformats.org/drawingml/2006/main" xmlns:r="http://schemas.openxmlformats.org/officeDocument/2006/relationships" xmlns:p="http://schemas.openxmlformats.org/presentationml/2006/main">
+  <p:cSld>
+    <p:spTree>
+      <p:nvGrpSpPr>
+        <p:cNvPr id="1" name=""/>
+        <p:cNvGrpSpPr/>
+        <p:nvPr/>
+      </p:nvGrpSpPr>
+      <p:grpSpPr>
+        <a:xfrm>
+          <a:off x="0" y="0"/>
+          <a:ext cx="0" cy="0"/>
+          <a:chOff x="0" y="0"/>
+          <a:chExt cx="0" cy="0"/>
+        </a:xfrm>
+      </p:grpSpPr>
+      <p:sp>
+        <p:nvSpPr>
+          <p:cNvPr id="2" name="Title 1">
+            <a:extLst>
+              <a:ext uri="{FF2B5EF4-FFF2-40B4-BE49-F238E27FC236}">
+                <a16:creationId xmlns:a16="http://schemas.microsoft.com/office/drawing/2014/main" id="{5C0AA9C9-E239-7743-90FF-DD02A8D06E1A}"/>
+              </a:ext>
+            </a:extLst>
+          </p:cNvPr>
+          <p:cNvSpPr>
+            <a:spLocks noGrp="1"/>
+          </p:cNvSpPr>
+          <p:nvPr>
+            <p:ph type="title"/>
+          </p:nvPr>
+        </p:nvSpPr>
+        <p:spPr/>
+        <p:txBody>
+          <a:bodyPr/>
+          <a:lstStyle/>
+          <a:p>
+            <a:r>
+              <a:rPr lang="en-US" dirty="0"/>
+              <a:t>Enzyme Inhibition</a:t>
+            </a:r>
+          </a:p>
+        </p:txBody>
+      </p:sp>
+      <p:sp>
+        <p:nvSpPr>
+          <p:cNvPr id="3" name="Slide Number Placeholder 2">
+            <a:extLst>
+              <a:ext uri="{FF2B5EF4-FFF2-40B4-BE49-F238E27FC236}">
+                <a16:creationId xmlns:a16="http://schemas.microsoft.com/office/drawing/2014/main" id="{04F0A596-A0A7-154A-8619-5AE578F3CF8F}"/>
+              </a:ext>
+            </a:extLst>
+          </p:cNvPr>
+          <p:cNvSpPr>
+            <a:spLocks noGrp="1"/>
+          </p:cNvSpPr>
+          <p:nvPr>
+            <p:ph type="sldNum" sz="quarter" idx="11"/>
+          </p:nvPr>
+        </p:nvSpPr>
+        <p:spPr/>
+        <p:txBody>
+          <a:bodyPr/>
+          <a:lstStyle/>
+          <a:p>
+            <a:pPr>
+              <a:defRPr/>
+            </a:pPr>
+            <a:fld id="{2E4304A7-0FB2-4094-BC1E-DB17183AD0C1}" type="slidenum">
+              <a:rPr lang="en-US" altLang="x-none" smtClean="0"/>
+              <a:pPr>
+                <a:defRPr/>
+              </a:pPr>
+              <a:t>10</a:t>
+            </a:fld>
+            <a:endParaRPr lang="en-US" altLang="x-none"/>
+          </a:p>
+        </p:txBody>
+      </p:sp>
+      <p:pic>
+        <p:nvPicPr>
+          <p:cNvPr id="8" name="Picture 7">
+            <a:extLst>
+              <a:ext uri="{FF2B5EF4-FFF2-40B4-BE49-F238E27FC236}">
+                <a16:creationId xmlns:a16="http://schemas.microsoft.com/office/drawing/2014/main" id="{CD0A6C47-AD81-BA43-8F9F-7E1B7CC45744}"/>
+              </a:ext>
+            </a:extLst>
+          </p:cNvPr>
+          <p:cNvPicPr>
+            <a:picLocks noChangeAspect="1"/>
+          </p:cNvPicPr>
+          <p:nvPr/>
+        </p:nvPicPr>
+        <p:blipFill>
+          <a:blip r:embed="rId2"/>
+          <a:stretch>
+            <a:fillRect/>
+          </a:stretch>
+        </p:blipFill>
+        <p:spPr>
+          <a:xfrm>
+            <a:off x="3411415" y="3929094"/>
+            <a:ext cx="3886200" cy="2700580"/>
+          </a:xfrm>
+          <a:prstGeom prst="rect">
+            <a:avLst/>
+          </a:prstGeom>
+        </p:spPr>
+      </p:pic>
+      <p:sp>
+        <p:nvSpPr>
+          <p:cNvPr id="9" name="TextBox 8">
+            <a:extLst>
+              <a:ext uri="{FF2B5EF4-FFF2-40B4-BE49-F238E27FC236}">
+                <a16:creationId xmlns:a16="http://schemas.microsoft.com/office/drawing/2014/main" id="{8D6E6907-28A0-5E4D-BC79-C27253E818FF}"/>
+              </a:ext>
+            </a:extLst>
+          </p:cNvPr>
+          <p:cNvSpPr txBox="1"/>
+          <p:nvPr/>
+        </p:nvSpPr>
+        <p:spPr>
+          <a:xfrm>
+            <a:off x="424962" y="1436132"/>
+            <a:ext cx="2608406" cy="369332"/>
+          </a:xfrm>
+          <a:prstGeom prst="rect">
+            <a:avLst/>
+          </a:prstGeom>
+          <a:noFill/>
+        </p:spPr>
+        <p:txBody>
+          <a:bodyPr wrap="none" rtlCol="0">
+            <a:spAutoFit/>
+          </a:bodyPr>
+          <a:lstStyle/>
+          <a:p>
+            <a:r>
+              <a:rPr lang="en-US" b="1" dirty="0"/>
+              <a:t>Competitive Inhibition</a:t>
+            </a:r>
+          </a:p>
+        </p:txBody>
+      </p:sp>
+      <p:sp>
+        <p:nvSpPr>
+          <p:cNvPr id="14" name="TextBox 13">
+            <a:extLst>
+              <a:ext uri="{FF2B5EF4-FFF2-40B4-BE49-F238E27FC236}">
+                <a16:creationId xmlns:a16="http://schemas.microsoft.com/office/drawing/2014/main" id="{9BA98C3A-87C3-ED42-AA22-73A3E128CC17}"/>
+              </a:ext>
+            </a:extLst>
+          </p:cNvPr>
+          <p:cNvSpPr txBox="1"/>
+          <p:nvPr/>
+        </p:nvSpPr>
+        <p:spPr>
+          <a:xfrm>
+            <a:off x="336997" y="3741314"/>
+            <a:ext cx="3018775" cy="369332"/>
+          </a:xfrm>
+          <a:prstGeom prst="rect">
+            <a:avLst/>
+          </a:prstGeom>
+          <a:noFill/>
+        </p:spPr>
+        <p:txBody>
+          <a:bodyPr wrap="none" rtlCol="0">
+            <a:spAutoFit/>
+          </a:bodyPr>
+          <a:lstStyle/>
+          <a:p>
+            <a:r>
+              <a:rPr lang="en-US" b="1" dirty="0"/>
+              <a:t>Noncompetitive Inhibition</a:t>
+            </a:r>
+          </a:p>
+        </p:txBody>
+      </p:sp>
+      <p:pic>
+        <p:nvPicPr>
+          <p:cNvPr id="3090" name="Picture 18" descr="Spring 2013 Lecture 16 &amp; 17">
+            <a:extLst>
+              <a:ext uri="{FF2B5EF4-FFF2-40B4-BE49-F238E27FC236}">
+                <a16:creationId xmlns:a16="http://schemas.microsoft.com/office/drawing/2014/main" id="{5431C9BE-1FED-E14C-BC6C-45A5E5CDFF73}"/>
+              </a:ext>
+            </a:extLst>
+          </p:cNvPr>
+          <p:cNvPicPr>
+            <a:picLocks noChangeAspect="1" noChangeArrowheads="1"/>
+          </p:cNvPicPr>
+          <p:nvPr/>
+        </p:nvPicPr>
+        <p:blipFill>
+          <a:blip r:embed="rId3">
+            <a:extLst>
+              <a:ext uri="{28A0092B-C50C-407E-A947-70E740481C1C}">
+                <a14:useLocalDpi xmlns:a14="http://schemas.microsoft.com/office/drawing/2010/main" val="0"/>
+              </a:ext>
+            </a:extLst>
+          </a:blip>
+          <a:srcRect/>
+          <a:stretch>
+            <a:fillRect/>
+          </a:stretch>
+        </p:blipFill>
+        <p:spPr bwMode="auto">
+          <a:xfrm>
+            <a:off x="351692" y="4110646"/>
+            <a:ext cx="2289094" cy="1692702"/>
+          </a:xfrm>
+          <a:prstGeom prst="rect">
+            <a:avLst/>
+          </a:prstGeom>
+          <a:noFill/>
+          <a:extLst>
+            <a:ext uri="{909E8E84-426E-40DD-AFC4-6F175D3DCCD1}">
+              <a14:hiddenFill xmlns:a14="http://schemas.microsoft.com/office/drawing/2010/main">
+                <a:solidFill>
+                  <a:srgbClr val="FFFFFF"/>
+                </a:solidFill>
+              </a14:hiddenFill>
+            </a:ext>
+          </a:extLst>
+        </p:spPr>
+      </p:pic>
+      <p:pic>
+        <p:nvPicPr>
+          <p:cNvPr id="3092" name="Picture 20" descr="Enzyme Inhibitors">
+            <a:extLst>
+              <a:ext uri="{FF2B5EF4-FFF2-40B4-BE49-F238E27FC236}">
+                <a16:creationId xmlns:a16="http://schemas.microsoft.com/office/drawing/2014/main" id="{057D76A3-D561-1E4C-BCD4-DF87D0904DE9}"/>
+              </a:ext>
+            </a:extLst>
+          </p:cNvPr>
+          <p:cNvPicPr>
+            <a:picLocks noChangeAspect="1" noChangeArrowheads="1"/>
+          </p:cNvPicPr>
+          <p:nvPr/>
+        </p:nvPicPr>
+        <p:blipFill>
+          <a:blip r:embed="rId4">
+            <a:extLst>
+              <a:ext uri="{28A0092B-C50C-407E-A947-70E740481C1C}">
+                <a14:useLocalDpi xmlns:a14="http://schemas.microsoft.com/office/drawing/2010/main" val="0"/>
+              </a:ext>
+            </a:extLst>
+          </a:blip>
+          <a:srcRect/>
+          <a:stretch>
+            <a:fillRect/>
+          </a:stretch>
+        </p:blipFill>
+        <p:spPr bwMode="auto">
+          <a:xfrm>
+            <a:off x="518168" y="2048612"/>
+            <a:ext cx="2656431" cy="1194964"/>
+          </a:xfrm>
+          <a:prstGeom prst="rect">
+            <a:avLst/>
+          </a:prstGeom>
+          <a:noFill/>
+          <a:extLst>
+            <a:ext uri="{909E8E84-426E-40DD-AFC4-6F175D3DCCD1}">
+              <a14:hiddenFill xmlns:a14="http://schemas.microsoft.com/office/drawing/2010/main">
+                <a:solidFill>
+                  <a:srgbClr val="FFFFFF"/>
+                </a:solidFill>
+              </a14:hiddenFill>
+            </a:ext>
+          </a:extLst>
+        </p:spPr>
+      </p:pic>
+      <p:grpSp>
+        <p:nvGrpSpPr>
+          <p:cNvPr id="11" name="Group 10">
+            <a:extLst>
+              <a:ext uri="{FF2B5EF4-FFF2-40B4-BE49-F238E27FC236}">
+                <a16:creationId xmlns:a16="http://schemas.microsoft.com/office/drawing/2014/main" id="{CC3786A8-3C15-F946-89E6-5403B0F45928}"/>
+              </a:ext>
+            </a:extLst>
+          </p:cNvPr>
+          <p:cNvGrpSpPr/>
+          <p:nvPr/>
+        </p:nvGrpSpPr>
+        <p:grpSpPr>
+          <a:xfrm>
+            <a:off x="3124200" y="1980085"/>
+            <a:ext cx="4795750" cy="1558010"/>
+            <a:chOff x="3124200" y="1980085"/>
+            <a:chExt cx="4795750" cy="1558010"/>
+          </a:xfrm>
+        </p:grpSpPr>
+        <p:pic>
+          <p:nvPicPr>
+            <p:cNvPr id="3088" name="Picture 16" descr="Competitive Inhibition (Molecular Biology)">
+              <a:extLst>
+                <a:ext uri="{FF2B5EF4-FFF2-40B4-BE49-F238E27FC236}">
+                  <a16:creationId xmlns:a16="http://schemas.microsoft.com/office/drawing/2014/main" id="{DB3E1B8E-F88A-B247-B5E6-485F0D1FCDE0}"/>
+                </a:ext>
+              </a:extLst>
+            </p:cNvPr>
+            <p:cNvPicPr>
+              <a:picLocks noChangeAspect="1" noChangeArrowheads="1"/>
+            </p:cNvPicPr>
+            <p:nvPr/>
+          </p:nvPicPr>
+          <p:blipFill>
+            <a:blip r:embed="rId5">
+              <a:extLst>
+                <a:ext uri="{28A0092B-C50C-407E-A947-70E740481C1C}">
+                  <a14:useLocalDpi xmlns:a14="http://schemas.microsoft.com/office/drawing/2010/main" val="0"/>
+                </a:ext>
+              </a:extLst>
+            </a:blip>
+            <a:srcRect/>
+            <a:stretch>
+              <a:fillRect/>
+            </a:stretch>
+          </p:blipFill>
+          <p:spPr bwMode="auto">
+            <a:xfrm>
+              <a:off x="3124200" y="1980085"/>
+              <a:ext cx="4795750" cy="1558010"/>
+            </a:xfrm>
+            <a:prstGeom prst="rect">
+              <a:avLst/>
+            </a:prstGeom>
+            <a:noFill/>
+            <a:extLst>
+              <a:ext uri="{909E8E84-426E-40DD-AFC4-6F175D3DCCD1}">
+                <a14:hiddenFill xmlns:a14="http://schemas.microsoft.com/office/drawing/2010/main">
+                  <a:solidFill>
+                    <a:srgbClr val="FFFFFF"/>
+                  </a:solidFill>
+                </a14:hiddenFill>
+              </a:ext>
+            </a:extLst>
+          </p:spPr>
+        </p:pic>
+        <p:sp>
+          <p:nvSpPr>
+            <p:cNvPr id="10" name="TextBox 9">
+              <a:extLst>
+                <a:ext uri="{FF2B5EF4-FFF2-40B4-BE49-F238E27FC236}">
+                  <a16:creationId xmlns:a16="http://schemas.microsoft.com/office/drawing/2014/main" id="{D1306468-A326-4640-BC1D-63FB64291F4F}"/>
+                </a:ext>
+              </a:extLst>
+            </p:cNvPr>
+            <p:cNvSpPr txBox="1"/>
+            <p:nvPr/>
+          </p:nvSpPr>
+          <p:spPr>
+            <a:xfrm>
+              <a:off x="4402723" y="2057400"/>
+              <a:ext cx="335348" cy="400110"/>
+            </a:xfrm>
+            <a:prstGeom prst="rect">
+              <a:avLst/>
+            </a:prstGeom>
+            <a:solidFill>
+              <a:schemeClr val="bg1"/>
+            </a:solidFill>
+          </p:spPr>
+          <p:txBody>
+            <a:bodyPr wrap="none" rtlCol="0">
+              <a:spAutoFit/>
+            </a:bodyPr>
+            <a:lstStyle/>
+            <a:p>
+              <a:r>
+                <a:rPr lang="en-US" sz="2000" dirty="0">
+                  <a:latin typeface="Chalkboard" panose="03050602040202020205" pitchFamily="66" charset="77"/>
+                </a:rPr>
+                <a:t>S</a:t>
+              </a:r>
+            </a:p>
+          </p:txBody>
+        </p:sp>
+        <p:sp>
+          <p:nvSpPr>
+            <p:cNvPr id="19" name="TextBox 18">
+              <a:extLst>
+                <a:ext uri="{FF2B5EF4-FFF2-40B4-BE49-F238E27FC236}">
+                  <a16:creationId xmlns:a16="http://schemas.microsoft.com/office/drawing/2014/main" id="{84397616-E7CD-F147-8127-9CE3286FFC69}"/>
+                </a:ext>
+              </a:extLst>
+            </p:cNvPr>
+            <p:cNvSpPr txBox="1"/>
+            <p:nvPr/>
+          </p:nvSpPr>
+          <p:spPr>
+            <a:xfrm>
+              <a:off x="5619588" y="2133600"/>
+              <a:ext cx="476412" cy="400110"/>
+            </a:xfrm>
+            <a:prstGeom prst="rect">
+              <a:avLst/>
+            </a:prstGeom>
+            <a:solidFill>
+              <a:schemeClr val="bg1"/>
+            </a:solidFill>
+          </p:spPr>
+          <p:txBody>
+            <a:bodyPr wrap="none" rtlCol="0">
+              <a:spAutoFit/>
+            </a:bodyPr>
+            <a:lstStyle/>
+            <a:p>
+              <a:r>
+                <a:rPr lang="en-US" sz="2000" dirty="0">
+                  <a:latin typeface="Chalkboard" panose="03050602040202020205" pitchFamily="66" charset="77"/>
+                </a:rPr>
+                <a:t>ES</a:t>
+              </a:r>
+            </a:p>
+          </p:txBody>
+        </p:sp>
+      </p:grpSp>
+    </p:spTree>
+    <p:extLst>
+      <p:ext uri="{BB962C8B-B14F-4D97-AF65-F5344CB8AC3E}">
+        <p14:creationId xmlns:p14="http://schemas.microsoft.com/office/powerpoint/2010/main" val="4140928338"/>
+      </p:ext>
+    </p:extLst>
+  </p:cSld>
+  <p:clrMapOvr>
+    <a:masterClrMapping/>
+  </p:clrMapOvr>
+  <p:timing>
+    <p:tnLst>
+      <p:par>
+        <p:cTn id="1" dur="indefinite" restart="never" nodeType="tmRoot">
+          <p:childTnLst>
+            <p:seq concurrent="1" nextAc="seek">
+              <p:cTn id="2" dur="indefinite" nodeType="mainSeq">
+                <p:childTnLst>
+                  <p:par>
+                    <p:cTn id="3" fill="hold">
+                      <p:stCondLst>
+                        <p:cond delay="indefinite"/>
+                      </p:stCondLst>
+                      <p:childTnLst>
+                        <p:par>
+                          <p:cTn id="4" fill="hold">
+                            <p:stCondLst>
+                              <p:cond delay="0"/>
+                            </p:stCondLst>
+                            <p:childTnLst>
+                              <p:par>
+                                <p:cTn id="5" presetID="1" presetClass="entr" presetSubtype="0" fill="hold" nodeType="clickEffect">
+                                  <p:stCondLst>
+                                    <p:cond delay="0"/>
+                                  </p:stCondLst>
+                                  <p:childTnLst>
+                                    <p:set>
+                                      <p:cBhvr>
+                                        <p:cTn id="6" dur="1" fill="hold">
+                                          <p:stCondLst>
+                                            <p:cond delay="0"/>
+                                          </p:stCondLst>
+                                        </p:cTn>
+                                        <p:tgtEl>
+                                          <p:spTgt spid="11"/>
+                                        </p:tgtEl>
+                                        <p:attrNameLst>
+                                          <p:attrName>style.visibility</p:attrName>
+                                        </p:attrNameLst>
+                                      </p:cBhvr>
+                                      <p:to>
+                                        <p:strVal val="visible"/>
+                                      </p:to>
+                                    </p:set>
+                                  </p:childTnLst>
+                                </p:cTn>
+                              </p:par>
+                            </p:childTnLst>
+                          </p:cTn>
+                        </p:par>
+                      </p:childTnLst>
+                    </p:cTn>
+                  </p:par>
+                  <p:par>
+                    <p:cTn id="7" fill="hold">
+                      <p:stCondLst>
+                        <p:cond delay="indefinite"/>
+                      </p:stCondLst>
+                      <p:childTnLst>
+                        <p:par>
+                          <p:cTn id="8" fill="hold">
+                            <p:stCondLst>
+                              <p:cond delay="0"/>
+                            </p:stCondLst>
+                            <p:childTnLst>
+                              <p:par>
+                                <p:cTn id="9" presetID="1" presetClass="entr" presetSubtype="0" fill="hold" grpId="0" nodeType="clickEffect">
+                                  <p:stCondLst>
+                                    <p:cond delay="0"/>
+                                  </p:stCondLst>
+                                  <p:childTnLst>
+                                    <p:set>
+                                      <p:cBhvr>
+                                        <p:cTn id="10" dur="1" fill="hold">
+                                          <p:stCondLst>
+                                            <p:cond delay="0"/>
+                                          </p:stCondLst>
+                                        </p:cTn>
+                                        <p:tgtEl>
+                                          <p:spTgt spid="14"/>
+                                        </p:tgtEl>
+                                        <p:attrNameLst>
+                                          <p:attrName>style.visibility</p:attrName>
+                                        </p:attrNameLst>
+                                      </p:cBhvr>
+                                      <p:to>
+                                        <p:strVal val="visible"/>
+                                      </p:to>
+                                    </p:set>
+                                  </p:childTnLst>
+                                </p:cTn>
+                              </p:par>
+                              <p:par>
+                                <p:cTn id="11" presetID="1" presetClass="entr" presetSubtype="0" fill="hold" nodeType="withEffect">
+                                  <p:stCondLst>
+                                    <p:cond delay="0"/>
+                                  </p:stCondLst>
+                                  <p:childTnLst>
+                                    <p:set>
+                                      <p:cBhvr>
+                                        <p:cTn id="12" dur="1" fill="hold">
+                                          <p:stCondLst>
+                                            <p:cond delay="0"/>
+                                          </p:stCondLst>
+                                        </p:cTn>
+                                        <p:tgtEl>
+                                          <p:spTgt spid="3090"/>
+                                        </p:tgtEl>
+                                        <p:attrNameLst>
+                                          <p:attrName>style.visibility</p:attrName>
+                                        </p:attrNameLst>
+                                      </p:cBhvr>
+                                      <p:to>
+                                        <p:strVal val="visible"/>
+                                      </p:to>
+                                    </p:set>
+                                  </p:childTnLst>
+                                </p:cTn>
+                              </p:par>
+                            </p:childTnLst>
+                          </p:cTn>
+                        </p:par>
+                      </p:childTnLst>
+                    </p:cTn>
+                  </p:par>
+                  <p:par>
+                    <p:cTn id="13" fill="hold">
+                      <p:stCondLst>
+                        <p:cond delay="indefinite"/>
+                      </p:stCondLst>
+                      <p:childTnLst>
+                        <p:par>
+                          <p:cTn id="14" fill="hold">
+                            <p:stCondLst>
+                              <p:cond delay="0"/>
+                            </p:stCondLst>
+                            <p:childTnLst>
+                              <p:par>
+                                <p:cTn id="15" presetID="1" presetClass="entr" presetSubtype="0" fill="hold" nodeType="clickEffect">
+                                  <p:stCondLst>
+                                    <p:cond delay="0"/>
+                                  </p:stCondLst>
+                                  <p:childTnLst>
+                                    <p:set>
+                                      <p:cBhvr>
+                                        <p:cTn id="16" dur="1" fill="hold">
+                                          <p:stCondLst>
+                                            <p:cond delay="0"/>
+                                          </p:stCondLst>
+                                        </p:cTn>
+                                        <p:tgtEl>
+                                          <p:spTgt spid="8"/>
+                                        </p:tgtEl>
+                                        <p:attrNameLst>
+                                          <p:attrName>style.visibility</p:attrName>
+                                        </p:attrNameLst>
+                                      </p:cBhvr>
+                                      <p:to>
+                                        <p:strVal val="visible"/>
+                                      </p:to>
+                                    </p:set>
+                                  </p:childTnLst>
+                                </p:cTn>
+                              </p:par>
+                            </p:childTnLst>
+                          </p:cTn>
+                        </p:par>
+                      </p:childTnLst>
+                    </p:cTn>
+                  </p:par>
+                </p:childTnLst>
+              </p:cTn>
+              <p:prevCondLst>
+                <p:cond evt="onPrev" delay="0">
+                  <p:tgtEl>
+                    <p:sldTgt/>
+                  </p:tgtEl>
+                </p:cond>
+              </p:prevCondLst>
+              <p:nextCondLst>
+                <p:cond evt="onNext" delay="0">
+                  <p:tgtEl>
+                    <p:sldTgt/>
+                  </p:tgtEl>
+                </p:cond>
+              </p:nextCondLst>
+            </p:seq>
+          </p:childTnLst>
+        </p:cTn>
+      </p:par>
+    </p:tnLst>
+    <p:bldLst>
+      <p:bldP spid="14" grpId="0"/>
+    </p:bldLst>
+  </p:timing>
+</p:sld>
+</file>
+
 <file path=ppt/slides/slide2.xml><?xml version="1.0" encoding="utf-8"?>
 <p:sld xmlns:a="http://schemas.openxmlformats.org/drawingml/2006/main" xmlns:r="http://schemas.openxmlformats.org/officeDocument/2006/relationships" xmlns:p="http://schemas.openxmlformats.org/presentationml/2006/main">
   <p:cSld>
@@ -5313,7 +5942,7 @@
           <a:p>
             <a:r>
               <a:rPr lang="en-US" dirty="0"/>
-              <a:t>Agenda</a:t>
+              <a:t>Dynamical Systems</a:t>
             </a:r>
           </a:p>
         </p:txBody>
@@ -5386,7 +6015,7 @@
     </p:spTree>
     <p:extLst>
       <p:ext uri="{BB962C8B-B14F-4D97-AF65-F5344CB8AC3E}">
-        <p14:creationId xmlns:p14="http://schemas.microsoft.com/office/powerpoint/2010/main" val="2165151436"/>
+        <p14:creationId xmlns:p14="http://schemas.microsoft.com/office/powerpoint/2010/main" val="3534723253"/>
       </p:ext>
     </p:extLst>
   </p:cSld>
@@ -5418,7 +6047,7 @@
           <p:cNvPr id="2" name="Title 1">
             <a:extLst>
               <a:ext uri="{FF2B5EF4-FFF2-40B4-BE49-F238E27FC236}">
-                <a16:creationId xmlns:a16="http://schemas.microsoft.com/office/drawing/2014/main" id="{9A566290-16BC-B245-A8C5-8E1E09DB1F2F}"/>
+                <a16:creationId xmlns:a16="http://schemas.microsoft.com/office/drawing/2014/main" id="{22943ACA-9C2E-4C42-85A9-72405EDFDCA8}"/>
               </a:ext>
             </a:extLst>
           </p:cNvPr>
@@ -5436,7 +6065,7 @@
           <a:p>
             <a:r>
               <a:rPr lang="en-US" dirty="0"/>
-              <a:t>BACKUP</a:t>
+              <a:t>Agenda</a:t>
             </a:r>
           </a:p>
         </p:txBody>
@@ -5446,7 +6075,7 @@
           <p:cNvPr id="3" name="Content Placeholder 2">
             <a:extLst>
               <a:ext uri="{FF2B5EF4-FFF2-40B4-BE49-F238E27FC236}">
-                <a16:creationId xmlns:a16="http://schemas.microsoft.com/office/drawing/2014/main" id="{5801297F-67B5-C949-850B-8E6CE431AE95}"/>
+                <a16:creationId xmlns:a16="http://schemas.microsoft.com/office/drawing/2014/main" id="{C77DA19E-296D-C043-843B-0791DD000353}"/>
               </a:ext>
             </a:extLst>
           </p:cNvPr>
@@ -5462,7 +6091,92 @@
           <a:bodyPr/>
           <a:lstStyle/>
           <a:p>
-            <a:endParaRPr lang="en-US"/>
+            <a:r>
+              <a:rPr lang="en-US" sz="2400" dirty="0"/>
+              <a:t>Differential equations</a:t>
+            </a:r>
+          </a:p>
+          <a:p>
+            <a:pPr lvl="1"/>
+            <a:r>
+              <a:rPr lang="en-US" sz="2000" dirty="0"/>
+              <a:t>Definition, fixed points</a:t>
+            </a:r>
+          </a:p>
+          <a:p>
+            <a:r>
+              <a:rPr lang="en-US" sz="2400" dirty="0"/>
+              <a:t>Linear differential equations</a:t>
+            </a:r>
+          </a:p>
+          <a:p>
+            <a:pPr lvl="1"/>
+            <a:r>
+              <a:rPr lang="en-US" sz="2000" dirty="0"/>
+              <a:t>Definition, behaviors</a:t>
+            </a:r>
+          </a:p>
+          <a:p>
+            <a:pPr lvl="1"/>
+            <a:r>
+              <a:rPr lang="en-US" sz="2000" dirty="0"/>
+              <a:t>Uni-reaction</a:t>
+            </a:r>
+          </a:p>
+          <a:p>
+            <a:r>
+              <a:rPr lang="en-US" sz="2400" dirty="0"/>
+              <a:t>Nonlinear differential equations</a:t>
+            </a:r>
+          </a:p>
+          <a:p>
+            <a:pPr lvl="1"/>
+            <a:r>
+              <a:rPr lang="en-US" sz="2000" dirty="0"/>
+              <a:t>Why: non-</a:t>
+            </a:r>
+            <a:r>
+              <a:rPr lang="en-US" sz="2000" dirty="0" err="1"/>
+              <a:t>uni</a:t>
+            </a:r>
+            <a:r>
+              <a:rPr lang="en-US" sz="2000"/>
+              <a:t>, enzymes</a:t>
+            </a:r>
+            <a:endParaRPr lang="en-US" sz="2000" dirty="0"/>
+          </a:p>
+          <a:p>
+            <a:pPr lvl="1"/>
+            <a:r>
+              <a:rPr lang="en-US" sz="2000" dirty="0"/>
+              <a:t>Classifications</a:t>
+            </a:r>
+          </a:p>
+          <a:p>
+            <a:pPr lvl="1"/>
+            <a:r>
+              <a:rPr lang="en-US" sz="2000" dirty="0"/>
+              <a:t>Linearization -&gt; classifications</a:t>
+            </a:r>
+          </a:p>
+          <a:p>
+            <a:pPr lvl="1"/>
+            <a:endParaRPr lang="en-US" sz="2000" dirty="0"/>
+          </a:p>
+          <a:p>
+            <a:r>
+              <a:rPr lang="en-US" sz="2400" dirty="0"/>
+              <a:t>Phase diagrams</a:t>
+            </a:r>
+          </a:p>
+          <a:p>
+            <a:r>
+              <a:rPr lang="en-US" sz="2400" dirty="0"/>
+              <a:t>Bifurcation plots</a:t>
+            </a:r>
+          </a:p>
+          <a:p>
+            <a:endParaRPr lang="en-US" sz="2400" dirty="0"/>
           </a:p>
         </p:txBody>
       </p:sp>
@@ -5471,7 +6185,7 @@
           <p:cNvPr id="4" name="Slide Number Placeholder 3">
             <a:extLst>
               <a:ext uri="{FF2B5EF4-FFF2-40B4-BE49-F238E27FC236}">
-                <a16:creationId xmlns:a16="http://schemas.microsoft.com/office/drawing/2014/main" id="{B83E13F8-323B-424F-942F-92CE814C53CE}"/>
+                <a16:creationId xmlns:a16="http://schemas.microsoft.com/office/drawing/2014/main" id="{397ECAA7-CF6B-A946-ADEF-F4CA089C141D}"/>
               </a:ext>
             </a:extLst>
           </p:cNvPr>
@@ -5482,7 +6196,12 @@
             <p:ph type="sldNum" sz="quarter" idx="11"/>
           </p:nvPr>
         </p:nvSpPr>
-        <p:spPr/>
+        <p:spPr>
+          <a:xfrm>
+            <a:off x="7620000" y="6248400"/>
+            <a:ext cx="304800" cy="365125"/>
+          </a:xfrm>
+        </p:spPr>
         <p:txBody>
           <a:bodyPr/>
           <a:lstStyle/>
@@ -5497,14 +6216,14 @@
               </a:pPr>
               <a:t>3</a:t>
             </a:fld>
-            <a:endParaRPr lang="en-US" altLang="x-none"/>
+            <a:endParaRPr lang="en-US" altLang="x-none" dirty="0"/>
           </a:p>
         </p:txBody>
       </p:sp>
     </p:spTree>
     <p:extLst>
       <p:ext uri="{BB962C8B-B14F-4D97-AF65-F5344CB8AC3E}">
-        <p14:creationId xmlns:p14="http://schemas.microsoft.com/office/powerpoint/2010/main" val="1846303059"/>
+        <p14:creationId xmlns:p14="http://schemas.microsoft.com/office/powerpoint/2010/main" val="3524811656"/>
       </p:ext>
     </p:extLst>
   </p:cSld>
@@ -5536,6 +6255,124 @@
           <p:cNvPr id="2" name="Title 1">
             <a:extLst>
               <a:ext uri="{FF2B5EF4-FFF2-40B4-BE49-F238E27FC236}">
+                <a16:creationId xmlns:a16="http://schemas.microsoft.com/office/drawing/2014/main" id="{9A566290-16BC-B245-A8C5-8E1E09DB1F2F}"/>
+              </a:ext>
+            </a:extLst>
+          </p:cNvPr>
+          <p:cNvSpPr>
+            <a:spLocks noGrp="1"/>
+          </p:cNvSpPr>
+          <p:nvPr>
+            <p:ph type="title"/>
+          </p:nvPr>
+        </p:nvSpPr>
+        <p:spPr/>
+        <p:txBody>
+          <a:bodyPr/>
+          <a:lstStyle/>
+          <a:p>
+            <a:r>
+              <a:rPr lang="en-US" dirty="0"/>
+              <a:t>BACKUP</a:t>
+            </a:r>
+          </a:p>
+        </p:txBody>
+      </p:sp>
+      <p:sp>
+        <p:nvSpPr>
+          <p:cNvPr id="3" name="Content Placeholder 2">
+            <a:extLst>
+              <a:ext uri="{FF2B5EF4-FFF2-40B4-BE49-F238E27FC236}">
+                <a16:creationId xmlns:a16="http://schemas.microsoft.com/office/drawing/2014/main" id="{5801297F-67B5-C949-850B-8E6CE431AE95}"/>
+              </a:ext>
+            </a:extLst>
+          </p:cNvPr>
+          <p:cNvSpPr>
+            <a:spLocks noGrp="1"/>
+          </p:cNvSpPr>
+          <p:nvPr>
+            <p:ph idx="1"/>
+          </p:nvPr>
+        </p:nvSpPr>
+        <p:spPr/>
+        <p:txBody>
+          <a:bodyPr/>
+          <a:lstStyle/>
+          <a:p>
+            <a:endParaRPr lang="en-US"/>
+          </a:p>
+        </p:txBody>
+      </p:sp>
+      <p:sp>
+        <p:nvSpPr>
+          <p:cNvPr id="4" name="Slide Number Placeholder 3">
+            <a:extLst>
+              <a:ext uri="{FF2B5EF4-FFF2-40B4-BE49-F238E27FC236}">
+                <a16:creationId xmlns:a16="http://schemas.microsoft.com/office/drawing/2014/main" id="{B83E13F8-323B-424F-942F-92CE814C53CE}"/>
+              </a:ext>
+            </a:extLst>
+          </p:cNvPr>
+          <p:cNvSpPr>
+            <a:spLocks noGrp="1"/>
+          </p:cNvSpPr>
+          <p:nvPr>
+            <p:ph type="sldNum" sz="quarter" idx="11"/>
+          </p:nvPr>
+        </p:nvSpPr>
+        <p:spPr/>
+        <p:txBody>
+          <a:bodyPr/>
+          <a:lstStyle/>
+          <a:p>
+            <a:pPr>
+              <a:defRPr/>
+            </a:pPr>
+            <a:fld id="{3EF4E9CC-9D91-476E-91FD-5BEEC1642931}" type="slidenum">
+              <a:rPr lang="en-US" altLang="x-none" smtClean="0"/>
+              <a:pPr>
+                <a:defRPr/>
+              </a:pPr>
+              <a:t>4</a:t>
+            </a:fld>
+            <a:endParaRPr lang="en-US" altLang="x-none"/>
+          </a:p>
+        </p:txBody>
+      </p:sp>
+    </p:spTree>
+    <p:extLst>
+      <p:ext uri="{BB962C8B-B14F-4D97-AF65-F5344CB8AC3E}">
+        <p14:creationId xmlns:p14="http://schemas.microsoft.com/office/powerpoint/2010/main" val="1846303059"/>
+      </p:ext>
+    </p:extLst>
+  </p:cSld>
+  <p:clrMapOvr>
+    <a:masterClrMapping/>
+  </p:clrMapOvr>
+</p:sld>
+</file>
+
+<file path=ppt/slides/slide5.xml><?xml version="1.0" encoding="utf-8"?>
+<p:sld xmlns:a="http://schemas.openxmlformats.org/drawingml/2006/main" xmlns:r="http://schemas.openxmlformats.org/officeDocument/2006/relationships" xmlns:p="http://schemas.openxmlformats.org/presentationml/2006/main">
+  <p:cSld>
+    <p:spTree>
+      <p:nvGrpSpPr>
+        <p:cNvPr id="1" name=""/>
+        <p:cNvGrpSpPr/>
+        <p:nvPr/>
+      </p:nvGrpSpPr>
+      <p:grpSpPr>
+        <a:xfrm>
+          <a:off x="0" y="0"/>
+          <a:ext cx="0" cy="0"/>
+          <a:chOff x="0" y="0"/>
+          <a:chExt cx="0" cy="0"/>
+        </a:xfrm>
+      </p:grpSpPr>
+      <p:sp>
+        <p:nvSpPr>
+          <p:cNvPr id="2" name="Title 1">
+            <a:extLst>
+              <a:ext uri="{FF2B5EF4-FFF2-40B4-BE49-F238E27FC236}">
                 <a16:creationId xmlns:a16="http://schemas.microsoft.com/office/drawing/2014/main" id="{901F4E4D-26B7-DD42-AA6D-912D49047F68}"/>
               </a:ext>
             </a:extLst>
@@ -5640,7 +6477,7 @@
               <a:pPr>
                 <a:defRPr/>
               </a:pPr>
-              <a:t>4</a:t>
+              <a:t>5</a:t>
             </a:fld>
             <a:endParaRPr lang="en-US" altLang="x-none"/>
           </a:p>
@@ -6172,7 +7009,7 @@
 </p:sld>
 </file>
 
-<file path=ppt/slides/slide5.xml><?xml version="1.0" encoding="utf-8"?>
+<file path=ppt/slides/slide6.xml><?xml version="1.0" encoding="utf-8"?>
 <p:sld xmlns:a="http://schemas.openxmlformats.org/drawingml/2006/main" xmlns:r="http://schemas.openxmlformats.org/officeDocument/2006/relationships" xmlns:p="http://schemas.openxmlformats.org/presentationml/2006/main">
   <p:cSld>
     <p:spTree>
@@ -6408,7 +7245,7 @@
               <a:pPr>
                 <a:defRPr/>
               </a:pPr>
-              <a:t>5</a:t>
+              <a:t>6</a:t>
             </a:fld>
             <a:endParaRPr lang="en-US" altLang="x-none"/>
           </a:p>
@@ -7599,7 +8436,7 @@
 </p:sld>
 </file>
 
-<file path=ppt/slides/slide6.xml><?xml version="1.0" encoding="utf-8"?>
+<file path=ppt/slides/slide7.xml><?xml version="1.0" encoding="utf-8"?>
 <p:sld xmlns:a="http://schemas.openxmlformats.org/drawingml/2006/main" xmlns:r="http://schemas.openxmlformats.org/officeDocument/2006/relationships" xmlns:p="http://schemas.openxmlformats.org/presentationml/2006/main">
   <p:cSld>
     <p:spTree>
@@ -7735,7 +8572,7 @@
           <a:p>
             <a:fld id="{6DCFD5F9-934F-BA42-8B8B-13A9379B7EB7}" type="slidenum">
               <a:rPr lang="en-US" smtClean="0"/>
-              <a:t>6</a:t>
+              <a:t>7</a:t>
             </a:fld>
             <a:endParaRPr lang="en-US" dirty="0"/>
           </a:p>
@@ -8543,7 +9380,7 @@
 </p:sld>
 </file>
 
-<file path=ppt/slides/slide7.xml><?xml version="1.0" encoding="utf-8"?>
+<file path=ppt/slides/slide8.xml><?xml version="1.0" encoding="utf-8"?>
 <p:sld xmlns:a="http://schemas.openxmlformats.org/drawingml/2006/main" xmlns:r="http://schemas.openxmlformats.org/officeDocument/2006/relationships" xmlns:p="http://schemas.openxmlformats.org/presentationml/2006/main">
   <p:cSld>
     <p:spTree>
@@ -8656,7 +9493,7 @@
               <a:pPr>
                 <a:defRPr/>
               </a:pPr>
-              <a:t>7</a:t>
+              <a:t>8</a:t>
             </a:fld>
             <a:endParaRPr lang="en-US" altLang="x-none"/>
           </a:p>
@@ -8845,7 +9682,7 @@
 </p:sld>
 </file>
 
-<file path=ppt/slides/slide8.xml><?xml version="1.0" encoding="utf-8"?>
+<file path=ppt/slides/slide9.xml><?xml version="1.0" encoding="utf-8"?>
 <p:sld xmlns:a="http://schemas.openxmlformats.org/drawingml/2006/main" xmlns:r="http://schemas.openxmlformats.org/officeDocument/2006/relationships" xmlns:p="http://schemas.openxmlformats.org/presentationml/2006/main">
   <p:cSld>
     <p:spTree>
@@ -8919,7 +9756,7 @@
               <a:pPr>
                 <a:defRPr/>
               </a:pPr>
-              <a:t>8</a:t>
+              <a:t>9</a:t>
             </a:fld>
             <a:endParaRPr lang="en-US" altLang="x-none"/>
           </a:p>
@@ -9089,634 +9926,6 @@
         </p:cTn>
       </p:par>
     </p:tnLst>
-  </p:timing>
-</p:sld>
-</file>
-
-<file path=ppt/slides/slide9.xml><?xml version="1.0" encoding="utf-8"?>
-<p:sld xmlns:a="http://schemas.openxmlformats.org/drawingml/2006/main" xmlns:r="http://schemas.openxmlformats.org/officeDocument/2006/relationships" xmlns:p="http://schemas.openxmlformats.org/presentationml/2006/main">
-  <p:cSld>
-    <p:spTree>
-      <p:nvGrpSpPr>
-        <p:cNvPr id="1" name=""/>
-        <p:cNvGrpSpPr/>
-        <p:nvPr/>
-      </p:nvGrpSpPr>
-      <p:grpSpPr>
-        <a:xfrm>
-          <a:off x="0" y="0"/>
-          <a:ext cx="0" cy="0"/>
-          <a:chOff x="0" y="0"/>
-          <a:chExt cx="0" cy="0"/>
-        </a:xfrm>
-      </p:grpSpPr>
-      <p:sp>
-        <p:nvSpPr>
-          <p:cNvPr id="2" name="Title 1">
-            <a:extLst>
-              <a:ext uri="{FF2B5EF4-FFF2-40B4-BE49-F238E27FC236}">
-                <a16:creationId xmlns:a16="http://schemas.microsoft.com/office/drawing/2014/main" id="{5C0AA9C9-E239-7743-90FF-DD02A8D06E1A}"/>
-              </a:ext>
-            </a:extLst>
-          </p:cNvPr>
-          <p:cNvSpPr>
-            <a:spLocks noGrp="1"/>
-          </p:cNvSpPr>
-          <p:nvPr>
-            <p:ph type="title"/>
-          </p:nvPr>
-        </p:nvSpPr>
-        <p:spPr/>
-        <p:txBody>
-          <a:bodyPr/>
-          <a:lstStyle/>
-          <a:p>
-            <a:r>
-              <a:rPr lang="en-US" dirty="0"/>
-              <a:t>Enzyme Inhibition</a:t>
-            </a:r>
-          </a:p>
-        </p:txBody>
-      </p:sp>
-      <p:sp>
-        <p:nvSpPr>
-          <p:cNvPr id="3" name="Slide Number Placeholder 2">
-            <a:extLst>
-              <a:ext uri="{FF2B5EF4-FFF2-40B4-BE49-F238E27FC236}">
-                <a16:creationId xmlns:a16="http://schemas.microsoft.com/office/drawing/2014/main" id="{04F0A596-A0A7-154A-8619-5AE578F3CF8F}"/>
-              </a:ext>
-            </a:extLst>
-          </p:cNvPr>
-          <p:cNvSpPr>
-            <a:spLocks noGrp="1"/>
-          </p:cNvSpPr>
-          <p:nvPr>
-            <p:ph type="sldNum" sz="quarter" idx="11"/>
-          </p:nvPr>
-        </p:nvSpPr>
-        <p:spPr/>
-        <p:txBody>
-          <a:bodyPr/>
-          <a:lstStyle/>
-          <a:p>
-            <a:pPr>
-              <a:defRPr/>
-            </a:pPr>
-            <a:fld id="{2E4304A7-0FB2-4094-BC1E-DB17183AD0C1}" type="slidenum">
-              <a:rPr lang="en-US" altLang="x-none" smtClean="0"/>
-              <a:pPr>
-                <a:defRPr/>
-              </a:pPr>
-              <a:t>9</a:t>
-            </a:fld>
-            <a:endParaRPr lang="en-US" altLang="x-none"/>
-          </a:p>
-        </p:txBody>
-      </p:sp>
-      <p:pic>
-        <p:nvPicPr>
-          <p:cNvPr id="8" name="Picture 7">
-            <a:extLst>
-              <a:ext uri="{FF2B5EF4-FFF2-40B4-BE49-F238E27FC236}">
-                <a16:creationId xmlns:a16="http://schemas.microsoft.com/office/drawing/2014/main" id="{CD0A6C47-AD81-BA43-8F9F-7E1B7CC45744}"/>
-              </a:ext>
-            </a:extLst>
-          </p:cNvPr>
-          <p:cNvPicPr>
-            <a:picLocks noChangeAspect="1"/>
-          </p:cNvPicPr>
-          <p:nvPr/>
-        </p:nvPicPr>
-        <p:blipFill>
-          <a:blip r:embed="rId2"/>
-          <a:stretch>
-            <a:fillRect/>
-          </a:stretch>
-        </p:blipFill>
-        <p:spPr>
-          <a:xfrm>
-            <a:off x="3411415" y="3929094"/>
-            <a:ext cx="3886200" cy="2700580"/>
-          </a:xfrm>
-          <a:prstGeom prst="rect">
-            <a:avLst/>
-          </a:prstGeom>
-        </p:spPr>
-      </p:pic>
-      <p:sp>
-        <p:nvSpPr>
-          <p:cNvPr id="9" name="TextBox 8">
-            <a:extLst>
-              <a:ext uri="{FF2B5EF4-FFF2-40B4-BE49-F238E27FC236}">
-                <a16:creationId xmlns:a16="http://schemas.microsoft.com/office/drawing/2014/main" id="{8D6E6907-28A0-5E4D-BC79-C27253E818FF}"/>
-              </a:ext>
-            </a:extLst>
-          </p:cNvPr>
-          <p:cNvSpPr txBox="1"/>
-          <p:nvPr/>
-        </p:nvSpPr>
-        <p:spPr>
-          <a:xfrm>
-            <a:off x="424962" y="1436132"/>
-            <a:ext cx="2608406" cy="369332"/>
-          </a:xfrm>
-          <a:prstGeom prst="rect">
-            <a:avLst/>
-          </a:prstGeom>
-          <a:noFill/>
-        </p:spPr>
-        <p:txBody>
-          <a:bodyPr wrap="none" rtlCol="0">
-            <a:spAutoFit/>
-          </a:bodyPr>
-          <a:lstStyle/>
-          <a:p>
-            <a:r>
-              <a:rPr lang="en-US" b="1" dirty="0"/>
-              <a:t>Competitive Inhibition</a:t>
-            </a:r>
-          </a:p>
-        </p:txBody>
-      </p:sp>
-      <p:sp>
-        <p:nvSpPr>
-          <p:cNvPr id="14" name="TextBox 13">
-            <a:extLst>
-              <a:ext uri="{FF2B5EF4-FFF2-40B4-BE49-F238E27FC236}">
-                <a16:creationId xmlns:a16="http://schemas.microsoft.com/office/drawing/2014/main" id="{9BA98C3A-87C3-ED42-AA22-73A3E128CC17}"/>
-              </a:ext>
-            </a:extLst>
-          </p:cNvPr>
-          <p:cNvSpPr txBox="1"/>
-          <p:nvPr/>
-        </p:nvSpPr>
-        <p:spPr>
-          <a:xfrm>
-            <a:off x="336997" y="3741314"/>
-            <a:ext cx="3018775" cy="369332"/>
-          </a:xfrm>
-          <a:prstGeom prst="rect">
-            <a:avLst/>
-          </a:prstGeom>
-          <a:noFill/>
-        </p:spPr>
-        <p:txBody>
-          <a:bodyPr wrap="none" rtlCol="0">
-            <a:spAutoFit/>
-          </a:bodyPr>
-          <a:lstStyle/>
-          <a:p>
-            <a:r>
-              <a:rPr lang="en-US" b="1" dirty="0"/>
-              <a:t>Noncompetitive Inhibition</a:t>
-            </a:r>
-          </a:p>
-        </p:txBody>
-      </p:sp>
-      <p:pic>
-        <p:nvPicPr>
-          <p:cNvPr id="3090" name="Picture 18" descr="Spring 2013 Lecture 16 &amp; 17">
-            <a:extLst>
-              <a:ext uri="{FF2B5EF4-FFF2-40B4-BE49-F238E27FC236}">
-                <a16:creationId xmlns:a16="http://schemas.microsoft.com/office/drawing/2014/main" id="{5431C9BE-1FED-E14C-BC6C-45A5E5CDFF73}"/>
-              </a:ext>
-            </a:extLst>
-          </p:cNvPr>
-          <p:cNvPicPr>
-            <a:picLocks noChangeAspect="1" noChangeArrowheads="1"/>
-          </p:cNvPicPr>
-          <p:nvPr/>
-        </p:nvPicPr>
-        <p:blipFill>
-          <a:blip r:embed="rId3">
-            <a:extLst>
-              <a:ext uri="{28A0092B-C50C-407E-A947-70E740481C1C}">
-                <a14:useLocalDpi xmlns:a14="http://schemas.microsoft.com/office/drawing/2010/main" val="0"/>
-              </a:ext>
-            </a:extLst>
-          </a:blip>
-          <a:srcRect/>
-          <a:stretch>
-            <a:fillRect/>
-          </a:stretch>
-        </p:blipFill>
-        <p:spPr bwMode="auto">
-          <a:xfrm>
-            <a:off x="351692" y="4110646"/>
-            <a:ext cx="2289094" cy="1692702"/>
-          </a:xfrm>
-          <a:prstGeom prst="rect">
-            <a:avLst/>
-          </a:prstGeom>
-          <a:noFill/>
-          <a:extLst>
-            <a:ext uri="{909E8E84-426E-40DD-AFC4-6F175D3DCCD1}">
-              <a14:hiddenFill xmlns:a14="http://schemas.microsoft.com/office/drawing/2010/main">
-                <a:solidFill>
-                  <a:srgbClr val="FFFFFF"/>
-                </a:solidFill>
-              </a14:hiddenFill>
-            </a:ext>
-          </a:extLst>
-        </p:spPr>
-      </p:pic>
-      <p:pic>
-        <p:nvPicPr>
-          <p:cNvPr id="3092" name="Picture 20" descr="Enzyme Inhibitors">
-            <a:extLst>
-              <a:ext uri="{FF2B5EF4-FFF2-40B4-BE49-F238E27FC236}">
-                <a16:creationId xmlns:a16="http://schemas.microsoft.com/office/drawing/2014/main" id="{057D76A3-D561-1E4C-BCD4-DF87D0904DE9}"/>
-              </a:ext>
-            </a:extLst>
-          </p:cNvPr>
-          <p:cNvPicPr>
-            <a:picLocks noChangeAspect="1" noChangeArrowheads="1"/>
-          </p:cNvPicPr>
-          <p:nvPr/>
-        </p:nvPicPr>
-        <p:blipFill>
-          <a:blip r:embed="rId4">
-            <a:extLst>
-              <a:ext uri="{28A0092B-C50C-407E-A947-70E740481C1C}">
-                <a14:useLocalDpi xmlns:a14="http://schemas.microsoft.com/office/drawing/2010/main" val="0"/>
-              </a:ext>
-            </a:extLst>
-          </a:blip>
-          <a:srcRect/>
-          <a:stretch>
-            <a:fillRect/>
-          </a:stretch>
-        </p:blipFill>
-        <p:spPr bwMode="auto">
-          <a:xfrm>
-            <a:off x="518168" y="2048612"/>
-            <a:ext cx="2656431" cy="1194964"/>
-          </a:xfrm>
-          <a:prstGeom prst="rect">
-            <a:avLst/>
-          </a:prstGeom>
-          <a:noFill/>
-          <a:extLst>
-            <a:ext uri="{909E8E84-426E-40DD-AFC4-6F175D3DCCD1}">
-              <a14:hiddenFill xmlns:a14="http://schemas.microsoft.com/office/drawing/2010/main">
-                <a:solidFill>
-                  <a:srgbClr val="FFFFFF"/>
-                </a:solidFill>
-              </a14:hiddenFill>
-            </a:ext>
-          </a:extLst>
-        </p:spPr>
-      </p:pic>
-      <p:grpSp>
-        <p:nvGrpSpPr>
-          <p:cNvPr id="11" name="Group 10">
-            <a:extLst>
-              <a:ext uri="{FF2B5EF4-FFF2-40B4-BE49-F238E27FC236}">
-                <a16:creationId xmlns:a16="http://schemas.microsoft.com/office/drawing/2014/main" id="{CC3786A8-3C15-F946-89E6-5403B0F45928}"/>
-              </a:ext>
-            </a:extLst>
-          </p:cNvPr>
-          <p:cNvGrpSpPr/>
-          <p:nvPr/>
-        </p:nvGrpSpPr>
-        <p:grpSpPr>
-          <a:xfrm>
-            <a:off x="3124200" y="1980085"/>
-            <a:ext cx="4795750" cy="1558010"/>
-            <a:chOff x="3124200" y="1980085"/>
-            <a:chExt cx="4795750" cy="1558010"/>
-          </a:xfrm>
-        </p:grpSpPr>
-        <p:pic>
-          <p:nvPicPr>
-            <p:cNvPr id="3088" name="Picture 16" descr="Competitive Inhibition (Molecular Biology)">
-              <a:extLst>
-                <a:ext uri="{FF2B5EF4-FFF2-40B4-BE49-F238E27FC236}">
-                  <a16:creationId xmlns:a16="http://schemas.microsoft.com/office/drawing/2014/main" id="{DB3E1B8E-F88A-B247-B5E6-485F0D1FCDE0}"/>
-                </a:ext>
-              </a:extLst>
-            </p:cNvPr>
-            <p:cNvPicPr>
-              <a:picLocks noChangeAspect="1" noChangeArrowheads="1"/>
-            </p:cNvPicPr>
-            <p:nvPr/>
-          </p:nvPicPr>
-          <p:blipFill>
-            <a:blip r:embed="rId5">
-              <a:extLst>
-                <a:ext uri="{28A0092B-C50C-407E-A947-70E740481C1C}">
-                  <a14:useLocalDpi xmlns:a14="http://schemas.microsoft.com/office/drawing/2010/main" val="0"/>
-                </a:ext>
-              </a:extLst>
-            </a:blip>
-            <a:srcRect/>
-            <a:stretch>
-              <a:fillRect/>
-            </a:stretch>
-          </p:blipFill>
-          <p:spPr bwMode="auto">
-            <a:xfrm>
-              <a:off x="3124200" y="1980085"/>
-              <a:ext cx="4795750" cy="1558010"/>
-            </a:xfrm>
-            <a:prstGeom prst="rect">
-              <a:avLst/>
-            </a:prstGeom>
-            <a:noFill/>
-            <a:extLst>
-              <a:ext uri="{909E8E84-426E-40DD-AFC4-6F175D3DCCD1}">
-                <a14:hiddenFill xmlns:a14="http://schemas.microsoft.com/office/drawing/2010/main">
-                  <a:solidFill>
-                    <a:srgbClr val="FFFFFF"/>
-                  </a:solidFill>
-                </a14:hiddenFill>
-              </a:ext>
-            </a:extLst>
-          </p:spPr>
-        </p:pic>
-        <p:sp>
-          <p:nvSpPr>
-            <p:cNvPr id="10" name="TextBox 9">
-              <a:extLst>
-                <a:ext uri="{FF2B5EF4-FFF2-40B4-BE49-F238E27FC236}">
-                  <a16:creationId xmlns:a16="http://schemas.microsoft.com/office/drawing/2014/main" id="{D1306468-A326-4640-BC1D-63FB64291F4F}"/>
-                </a:ext>
-              </a:extLst>
-            </p:cNvPr>
-            <p:cNvSpPr txBox="1"/>
-            <p:nvPr/>
-          </p:nvSpPr>
-          <p:spPr>
-            <a:xfrm>
-              <a:off x="4402723" y="2057400"/>
-              <a:ext cx="335348" cy="400110"/>
-            </a:xfrm>
-            <a:prstGeom prst="rect">
-              <a:avLst/>
-            </a:prstGeom>
-            <a:solidFill>
-              <a:schemeClr val="bg1"/>
-            </a:solidFill>
-          </p:spPr>
-          <p:txBody>
-            <a:bodyPr wrap="none" rtlCol="0">
-              <a:spAutoFit/>
-            </a:bodyPr>
-            <a:lstStyle/>
-            <a:p>
-              <a:r>
-                <a:rPr lang="en-US" sz="2000" dirty="0">
-                  <a:latin typeface="Chalkboard" panose="03050602040202020205" pitchFamily="66" charset="77"/>
-                </a:rPr>
-                <a:t>S</a:t>
-              </a:r>
-            </a:p>
-          </p:txBody>
-        </p:sp>
-        <p:sp>
-          <p:nvSpPr>
-            <p:cNvPr id="19" name="TextBox 18">
-              <a:extLst>
-                <a:ext uri="{FF2B5EF4-FFF2-40B4-BE49-F238E27FC236}">
-                  <a16:creationId xmlns:a16="http://schemas.microsoft.com/office/drawing/2014/main" id="{84397616-E7CD-F147-8127-9CE3286FFC69}"/>
-                </a:ext>
-              </a:extLst>
-            </p:cNvPr>
-            <p:cNvSpPr txBox="1"/>
-            <p:nvPr/>
-          </p:nvSpPr>
-          <p:spPr>
-            <a:xfrm>
-              <a:off x="5619588" y="2133600"/>
-              <a:ext cx="476412" cy="400110"/>
-            </a:xfrm>
-            <a:prstGeom prst="rect">
-              <a:avLst/>
-            </a:prstGeom>
-            <a:solidFill>
-              <a:schemeClr val="bg1"/>
-            </a:solidFill>
-          </p:spPr>
-          <p:txBody>
-            <a:bodyPr wrap="none" rtlCol="0">
-              <a:spAutoFit/>
-            </a:bodyPr>
-            <a:lstStyle/>
-            <a:p>
-              <a:r>
-                <a:rPr lang="en-US" sz="2000" dirty="0">
-                  <a:latin typeface="Chalkboard" panose="03050602040202020205" pitchFamily="66" charset="77"/>
-                </a:rPr>
-                <a:t>ES</a:t>
-              </a:r>
-            </a:p>
-          </p:txBody>
-        </p:sp>
-      </p:grpSp>
-    </p:spTree>
-    <p:extLst>
-      <p:ext uri="{BB962C8B-B14F-4D97-AF65-F5344CB8AC3E}">
-        <p14:creationId xmlns:p14="http://schemas.microsoft.com/office/powerpoint/2010/main" val="4140928338"/>
-      </p:ext>
-    </p:extLst>
-  </p:cSld>
-  <p:clrMapOvr>
-    <a:masterClrMapping/>
-  </p:clrMapOvr>
-  <p:timing>
-    <p:tnLst>
-      <p:par>
-        <p:cTn id="1" dur="indefinite" restart="never" nodeType="tmRoot">
-          <p:childTnLst>
-            <p:seq concurrent="1" nextAc="seek">
-              <p:cTn id="2" dur="indefinite" nodeType="mainSeq">
-                <p:childTnLst>
-                  <p:par>
-                    <p:cTn id="3" fill="hold">
-                      <p:stCondLst>
-                        <p:cond delay="indefinite"/>
-                      </p:stCondLst>
-                      <p:childTnLst>
-                        <p:par>
-                          <p:cTn id="4" fill="hold">
-                            <p:stCondLst>
-                              <p:cond delay="0"/>
-                            </p:stCondLst>
-                            <p:childTnLst>
-                              <p:par>
-                                <p:cTn id="5" presetID="1" presetClass="entr" presetSubtype="0" fill="hold" nodeType="clickEffect">
-                                  <p:stCondLst>
-                                    <p:cond delay="0"/>
-                                  </p:stCondLst>
-                                  <p:childTnLst>
-                                    <p:set>
-                                      <p:cBhvr>
-                                        <p:cTn id="6" dur="1" fill="hold">
-                                          <p:stCondLst>
-                                            <p:cond delay="0"/>
-                                          </p:stCondLst>
-                                        </p:cTn>
-                                        <p:tgtEl>
-                                          <p:spTgt spid="11"/>
-                                        </p:tgtEl>
-                                        <p:attrNameLst>
-                                          <p:attrName>style.visibility</p:attrName>
-                                        </p:attrNameLst>
-                                      </p:cBhvr>
-                                      <p:to>
-                                        <p:strVal val="visible"/>
-                                      </p:to>
-                                    </p:set>
-                                  </p:childTnLst>
-                                </p:cTn>
-                              </p:par>
-                            </p:childTnLst>
-                          </p:cTn>
-                        </p:par>
-                      </p:childTnLst>
-                    </p:cTn>
-                  </p:par>
-                  <p:par>
-                    <p:cTn id="7" fill="hold">
-                      <p:stCondLst>
-                        <p:cond delay="indefinite"/>
-                      </p:stCondLst>
-                      <p:childTnLst>
-                        <p:par>
-                          <p:cTn id="8" fill="hold">
-                            <p:stCondLst>
-                              <p:cond delay="0"/>
-                            </p:stCondLst>
-                            <p:childTnLst>
-                              <p:par>
-                                <p:cTn id="9" presetID="1" presetClass="entr" presetSubtype="0" fill="hold" grpId="0" nodeType="clickEffect">
-                                  <p:stCondLst>
-                                    <p:cond delay="0"/>
-                                  </p:stCondLst>
-                                  <p:childTnLst>
-                                    <p:set>
-                                      <p:cBhvr>
-                                        <p:cTn id="10" dur="1" fill="hold">
-                                          <p:stCondLst>
-                                            <p:cond delay="0"/>
-                                          </p:stCondLst>
-                                        </p:cTn>
-                                        <p:tgtEl>
-                                          <p:spTgt spid="14"/>
-                                        </p:tgtEl>
-                                        <p:attrNameLst>
-                                          <p:attrName>style.visibility</p:attrName>
-                                        </p:attrNameLst>
-                                      </p:cBhvr>
-                                      <p:to>
-                                        <p:strVal val="visible"/>
-                                      </p:to>
-                                    </p:set>
-                                  </p:childTnLst>
-                                </p:cTn>
-                              </p:par>
-                              <p:par>
-                                <p:cTn id="11" presetID="1" presetClass="entr" presetSubtype="0" fill="hold" nodeType="withEffect">
-                                  <p:stCondLst>
-                                    <p:cond delay="0"/>
-                                  </p:stCondLst>
-                                  <p:childTnLst>
-                                    <p:set>
-                                      <p:cBhvr>
-                                        <p:cTn id="12" dur="1" fill="hold">
-                                          <p:stCondLst>
-                                            <p:cond delay="0"/>
-                                          </p:stCondLst>
-                                        </p:cTn>
-                                        <p:tgtEl>
-                                          <p:spTgt spid="3090"/>
-                                        </p:tgtEl>
-                                        <p:attrNameLst>
-                                          <p:attrName>style.visibility</p:attrName>
-                                        </p:attrNameLst>
-                                      </p:cBhvr>
-                                      <p:to>
-                                        <p:strVal val="visible"/>
-                                      </p:to>
-                                    </p:set>
-                                  </p:childTnLst>
-                                </p:cTn>
-                              </p:par>
-                            </p:childTnLst>
-                          </p:cTn>
-                        </p:par>
-                      </p:childTnLst>
-                    </p:cTn>
-                  </p:par>
-                  <p:par>
-                    <p:cTn id="13" fill="hold">
-                      <p:stCondLst>
-                        <p:cond delay="indefinite"/>
-                      </p:stCondLst>
-                      <p:childTnLst>
-                        <p:par>
-                          <p:cTn id="14" fill="hold">
-                            <p:stCondLst>
-                              <p:cond delay="0"/>
-                            </p:stCondLst>
-                            <p:childTnLst>
-                              <p:par>
-                                <p:cTn id="15" presetID="1" presetClass="entr" presetSubtype="0" fill="hold" nodeType="clickEffect">
-                                  <p:stCondLst>
-                                    <p:cond delay="0"/>
-                                  </p:stCondLst>
-                                  <p:childTnLst>
-                                    <p:set>
-                                      <p:cBhvr>
-                                        <p:cTn id="16" dur="1" fill="hold">
-                                          <p:stCondLst>
-                                            <p:cond delay="0"/>
-                                          </p:stCondLst>
-                                        </p:cTn>
-                                        <p:tgtEl>
-                                          <p:spTgt spid="8"/>
-                                        </p:tgtEl>
-                                        <p:attrNameLst>
-                                          <p:attrName>style.visibility</p:attrName>
-                                        </p:attrNameLst>
-                                      </p:cBhvr>
-                                      <p:to>
-                                        <p:strVal val="visible"/>
-                                      </p:to>
-                                    </p:set>
-                                  </p:childTnLst>
-                                </p:cTn>
-                              </p:par>
-                            </p:childTnLst>
-                          </p:cTn>
-                        </p:par>
-                      </p:childTnLst>
-                    </p:cTn>
-                  </p:par>
-                </p:childTnLst>
-              </p:cTn>
-              <p:prevCondLst>
-                <p:cond evt="onPrev" delay="0">
-                  <p:tgtEl>
-                    <p:sldTgt/>
-                  </p:tgtEl>
-                </p:cond>
-              </p:prevCondLst>
-              <p:nextCondLst>
-                <p:cond evt="onNext" delay="0">
-                  <p:tgtEl>
-                    <p:sldTgt/>
-                  </p:tgtEl>
-                </p:cond>
-              </p:nextCondLst>
-            </p:seq>
-          </p:childTnLst>
-        </p:cTn>
-      </p:par>
-    </p:tnLst>
-    <p:bldLst>
-      <p:bldP spid="14" grpId="0"/>
-    </p:bldLst>
   </p:timing>
 </p:sld>
 </file>
